--- a/PowerPoint/8051.pptx
+++ b/PowerPoint/8051.pptx
@@ -203,7 +203,7 @@
           <a:p>
             <a:fld id="{77A30A29-72DA-4C53-AD57-CE3C348C555A}" type="datetimeFigureOut">
               <a:rPr lang="zh-TW" altLang="en-US" smtClean="0"/>
-              <a:t>2020/6/29/Mon</a:t>
+              <a:t>2020/6/30/Tue</a:t>
             </a:fld>
             <a:endParaRPr lang="zh-TW" altLang="en-US"/>
           </a:p>
@@ -785,7 +785,7 @@
           <a:p>
             <a:fld id="{D824AF48-2BDC-4F06-B107-53658F1C4868}" type="datetimeFigureOut">
               <a:rPr lang="zh-TW" altLang="en-US" smtClean="0"/>
-              <a:t>2020/6/29/Mon</a:t>
+              <a:t>2020/6/30/Tue</a:t>
             </a:fld>
             <a:endParaRPr lang="zh-TW" altLang="en-US"/>
           </a:p>
@@ -983,7 +983,7 @@
           <a:p>
             <a:fld id="{D824AF48-2BDC-4F06-B107-53658F1C4868}" type="datetimeFigureOut">
               <a:rPr lang="zh-TW" altLang="en-US" smtClean="0"/>
-              <a:t>2020/6/29/Mon</a:t>
+              <a:t>2020/6/30/Tue</a:t>
             </a:fld>
             <a:endParaRPr lang="zh-TW" altLang="en-US"/>
           </a:p>
@@ -1191,7 +1191,7 @@
           <a:p>
             <a:fld id="{D824AF48-2BDC-4F06-B107-53658F1C4868}" type="datetimeFigureOut">
               <a:rPr lang="zh-TW" altLang="en-US" smtClean="0"/>
-              <a:t>2020/6/29/Mon</a:t>
+              <a:t>2020/6/30/Tue</a:t>
             </a:fld>
             <a:endParaRPr lang="zh-TW" altLang="en-US"/>
           </a:p>
@@ -1389,7 +1389,7 @@
           <a:p>
             <a:fld id="{D824AF48-2BDC-4F06-B107-53658F1C4868}" type="datetimeFigureOut">
               <a:rPr lang="zh-TW" altLang="en-US" smtClean="0"/>
-              <a:t>2020/6/29/Mon</a:t>
+              <a:t>2020/6/30/Tue</a:t>
             </a:fld>
             <a:endParaRPr lang="zh-TW" altLang="en-US"/>
           </a:p>
@@ -1664,7 +1664,7 @@
           <a:p>
             <a:fld id="{D824AF48-2BDC-4F06-B107-53658F1C4868}" type="datetimeFigureOut">
               <a:rPr lang="zh-TW" altLang="en-US" smtClean="0"/>
-              <a:t>2020/6/29/Mon</a:t>
+              <a:t>2020/6/30/Tue</a:t>
             </a:fld>
             <a:endParaRPr lang="zh-TW" altLang="en-US"/>
           </a:p>
@@ -1929,7 +1929,7 @@
           <a:p>
             <a:fld id="{D824AF48-2BDC-4F06-B107-53658F1C4868}" type="datetimeFigureOut">
               <a:rPr lang="zh-TW" altLang="en-US" smtClean="0"/>
-              <a:t>2020/6/29/Mon</a:t>
+              <a:t>2020/6/30/Tue</a:t>
             </a:fld>
             <a:endParaRPr lang="zh-TW" altLang="en-US"/>
           </a:p>
@@ -2341,7 +2341,7 @@
           <a:p>
             <a:fld id="{D824AF48-2BDC-4F06-B107-53658F1C4868}" type="datetimeFigureOut">
               <a:rPr lang="zh-TW" altLang="en-US" smtClean="0"/>
-              <a:t>2020/6/29/Mon</a:t>
+              <a:t>2020/6/30/Tue</a:t>
             </a:fld>
             <a:endParaRPr lang="zh-TW" altLang="en-US"/>
           </a:p>
@@ -2482,7 +2482,7 @@
           <a:p>
             <a:fld id="{D824AF48-2BDC-4F06-B107-53658F1C4868}" type="datetimeFigureOut">
               <a:rPr lang="zh-TW" altLang="en-US" smtClean="0"/>
-              <a:t>2020/6/29/Mon</a:t>
+              <a:t>2020/6/30/Tue</a:t>
             </a:fld>
             <a:endParaRPr lang="zh-TW" altLang="en-US"/>
           </a:p>
@@ -2595,7 +2595,7 @@
           <a:p>
             <a:fld id="{D824AF48-2BDC-4F06-B107-53658F1C4868}" type="datetimeFigureOut">
               <a:rPr lang="zh-TW" altLang="en-US" smtClean="0"/>
-              <a:t>2020/6/29/Mon</a:t>
+              <a:t>2020/6/30/Tue</a:t>
             </a:fld>
             <a:endParaRPr lang="zh-TW" altLang="en-US"/>
           </a:p>
@@ -2906,7 +2906,7 @@
           <a:p>
             <a:fld id="{D824AF48-2BDC-4F06-B107-53658F1C4868}" type="datetimeFigureOut">
               <a:rPr lang="zh-TW" altLang="en-US" smtClean="0"/>
-              <a:t>2020/6/29/Mon</a:t>
+              <a:t>2020/6/30/Tue</a:t>
             </a:fld>
             <a:endParaRPr lang="zh-TW" altLang="en-US"/>
           </a:p>
@@ -3194,7 +3194,7 @@
           <a:p>
             <a:fld id="{D824AF48-2BDC-4F06-B107-53658F1C4868}" type="datetimeFigureOut">
               <a:rPr lang="zh-TW" altLang="en-US" smtClean="0"/>
-              <a:t>2020/6/29/Mon</a:t>
+              <a:t>2020/6/30/Tue</a:t>
             </a:fld>
             <a:endParaRPr lang="zh-TW" altLang="en-US"/>
           </a:p>
@@ -3435,7 +3435,7 @@
           <a:p>
             <a:fld id="{D824AF48-2BDC-4F06-B107-53658F1C4868}" type="datetimeFigureOut">
               <a:rPr lang="zh-TW" altLang="en-US" smtClean="0"/>
-              <a:t>2020/6/29/Mon</a:t>
+              <a:t>2020/6/30/Tue</a:t>
             </a:fld>
             <a:endParaRPr lang="zh-TW" altLang="en-US"/>
           </a:p>
@@ -5624,31 +5624,40 @@
           </a:p>
         </p:txBody>
       </p:sp>
-      <p:sp>
-        <p:nvSpPr>
-          <p:cNvPr id="3" name="內容版面配置區 2">
-            <a:extLst>
-              <a:ext uri="{FF2B5EF4-FFF2-40B4-BE49-F238E27FC236}">
-                <a16:creationId xmlns:a16="http://schemas.microsoft.com/office/drawing/2014/main" id="{0FCBB858-0021-46B9-8F72-026B907A025B}"/>
-              </a:ext>
-            </a:extLst>
-          </p:cNvPr>
-          <p:cNvSpPr>
-            <a:spLocks noGrp="1"/>
-          </p:cNvSpPr>
+      <p:pic>
+        <p:nvPicPr>
+          <p:cNvPr id="5" name="內容版面配置區 4">
+            <a:extLst>
+              <a:ext uri="{FF2B5EF4-FFF2-40B4-BE49-F238E27FC236}">
+                <a16:creationId xmlns:a16="http://schemas.microsoft.com/office/drawing/2014/main" id="{3CCF2DDF-3ADD-4327-A630-BBF748D95A72}"/>
+              </a:ext>
+            </a:extLst>
+          </p:cNvPr>
+          <p:cNvPicPr>
+            <a:picLocks noGrp="1" noChangeAspect="1"/>
+          </p:cNvPicPr>
           <p:nvPr>
             <p:ph idx="1"/>
           </p:nvPr>
-        </p:nvSpPr>
-        <p:spPr/>
-        <p:txBody>
-          <a:bodyPr/>
-          <a:lstStyle/>
-          <a:p>
-            <a:endParaRPr lang="zh-TW" altLang="en-US"/>
-          </a:p>
-        </p:txBody>
-      </p:sp>
+        </p:nvPicPr>
+        <p:blipFill rotWithShape="1">
+          <a:blip r:embed="rId2">
+            <a:extLst>
+              <a:ext uri="{28A0092B-C50C-407E-A947-70E740481C1C}">
+                <a14:useLocalDpi xmlns:a14="http://schemas.microsoft.com/office/drawing/2010/main" val="0"/>
+              </a:ext>
+            </a:extLst>
+          </a:blip>
+          <a:srcRect b="15953"/>
+          <a:stretch/>
+        </p:blipFill>
+        <p:spPr>
+          <a:xfrm>
+            <a:off x="625764" y="1690688"/>
+            <a:ext cx="3067618" cy="3657167"/>
+          </a:xfrm>
+        </p:spPr>
+      </p:pic>
     </p:spTree>
     <p:extLst>
       <p:ext uri="{BB962C8B-B14F-4D97-AF65-F5344CB8AC3E}">
